--- a/content/courses/graphics/test/promo.pptx
+++ b/content/courses/graphics/test/promo.pptx
@@ -3095,7 +3095,7 @@
             <a:spLocks noGrp="1"/>
           </p:cNvSpPr>
           <p:nvPr>
-            <p:ph type="ctrTitle"/>
+            <p:ph type="title"/>
           </p:nvPr>
         </p:nvSpPr>
         <p:spPr/>
@@ -3111,12 +3111,12 @@
       </p:sp>
       <p:sp>
         <p:nvSpPr>
-          <p:cNvPr id="3" name="Subtitle 2"/>
-          <p:cNvSpPr>
-            <a:spLocks noGrp="1"/>
-          </p:cNvSpPr>
-          <p:nvPr>
-            <p:ph type="subTitle" idx="1"/>
+          <p:cNvPr id="3" name="Content Placeholder 2"/>
+          <p:cNvSpPr>
+            <a:spLocks noGrp="1"/>
+          </p:cNvSpPr>
+          <p:nvPr>
+            <p:ph idx="1"/>
           </p:nvPr>
         </p:nvSpPr>
         <p:spPr/>
@@ -3126,6 +3126,30 @@
           <a:p/>
         </p:txBody>
       </p:sp>
+      <p:pic>
+        <p:nvPicPr>
+          <p:cNvPr id="4" name="Picture 3" descr="qr.jpg"/>
+          <p:cNvPicPr>
+            <a:picLocks noChangeAspect="1"/>
+          </p:cNvPicPr>
+          <p:nvPr/>
+        </p:nvPicPr>
+        <p:blipFill>
+          <a:blip r:embed="rId2"/>
+          <a:stretch>
+            <a:fillRect/>
+          </a:stretch>
+        </p:blipFill>
+        <p:spPr>
+          <a:xfrm>
+            <a:off x="100" y="100"/>
+            <a:ext cx="5207000" cy="5207000"/>
+          </a:xfrm>
+          <a:prstGeom prst="rect">
+            <a:avLst/>
+          </a:prstGeom>
+        </p:spPr>
+      </p:pic>
     </p:spTree>
   </p:cSld>
   <p:clrMapOvr>

--- a/content/courses/graphics/test/promo.pptx
+++ b/content/courses/graphics/test/promo.pptx
@@ -3142,8 +3142,272 @@
         </p:blipFill>
         <p:spPr>
           <a:xfrm>
-            <a:off x="100" y="100"/>
+            <a:off x="-100" y="100"/>
             <a:ext cx="5207000" cy="5207000"/>
+          </a:xfrm>
+          <a:prstGeom prst="rect">
+            <a:avLst/>
+          </a:prstGeom>
+        </p:spPr>
+      </p:pic>
+      <p:pic>
+        <p:nvPicPr>
+          <p:cNvPr id="5" name="Picture 4" descr="4a249c66-e675-11eb-b120-60f262b60b65.png"/>
+          <p:cNvPicPr>
+            <a:picLocks noChangeAspect="1"/>
+          </p:cNvPicPr>
+          <p:nvPr/>
+        </p:nvPicPr>
+        <p:blipFill>
+          <a:blip r:embed="rId3"/>
+          <a:stretch>
+            <a:fillRect/>
+          </a:stretch>
+        </p:blipFill>
+        <p:spPr>
+          <a:xfrm>
+            <a:off x="200" y="200"/>
+            <a:ext cx="5080000" cy="3810000"/>
+          </a:xfrm>
+          <a:prstGeom prst="rect">
+            <a:avLst/>
+          </a:prstGeom>
+        </p:spPr>
+      </p:pic>
+      <p:pic>
+        <p:nvPicPr>
+          <p:cNvPr id="6" name="Picture 5" descr="4a2d50ae-e675-11eb-a3de-60f262b60b65.png"/>
+          <p:cNvPicPr>
+            <a:picLocks noChangeAspect="1"/>
+          </p:cNvPicPr>
+          <p:nvPr/>
+        </p:nvPicPr>
+        <p:blipFill>
+          <a:blip r:embed="rId4"/>
+          <a:stretch>
+            <a:fillRect/>
+          </a:stretch>
+        </p:blipFill>
+        <p:spPr>
+          <a:xfrm>
+            <a:off x="200" y="200"/>
+            <a:ext cx="2540000" cy="2540000"/>
+          </a:xfrm>
+          <a:prstGeom prst="rect">
+            <a:avLst/>
+          </a:prstGeom>
+        </p:spPr>
+      </p:pic>
+      <p:pic>
+        <p:nvPicPr>
+          <p:cNvPr id="7" name="Picture 6" descr="4a32cd27-e675-11eb-b133-60f262b60b65.png"/>
+          <p:cNvPicPr>
+            <a:picLocks noChangeAspect="1"/>
+          </p:cNvPicPr>
+          <p:nvPr/>
+        </p:nvPicPr>
+        <p:blipFill>
+          <a:blip r:embed="rId5"/>
+          <a:stretch>
+            <a:fillRect/>
+          </a:stretch>
+        </p:blipFill>
+        <p:spPr>
+          <a:xfrm>
+            <a:off x="200" y="200"/>
+            <a:ext cx="2540000" cy="2540000"/>
+          </a:xfrm>
+          <a:prstGeom prst="rect">
+            <a:avLst/>
+          </a:prstGeom>
+        </p:spPr>
+      </p:pic>
+      <p:pic>
+        <p:nvPicPr>
+          <p:cNvPr id="8" name="Picture 7" descr="4a38c0a9-e675-11eb-9db0-60f262b60b65.png"/>
+          <p:cNvPicPr>
+            <a:picLocks noChangeAspect="1"/>
+          </p:cNvPicPr>
+          <p:nvPr/>
+        </p:nvPicPr>
+        <p:blipFill>
+          <a:blip r:embed="rId6"/>
+          <a:stretch>
+            <a:fillRect/>
+          </a:stretch>
+        </p:blipFill>
+        <p:spPr>
+          <a:xfrm>
+            <a:off x="200" y="200"/>
+            <a:ext cx="5080000" cy="5080000"/>
+          </a:xfrm>
+          <a:prstGeom prst="rect">
+            <a:avLst/>
+          </a:prstGeom>
+        </p:spPr>
+      </p:pic>
+      <p:pic>
+        <p:nvPicPr>
+          <p:cNvPr id="9" name="Picture 8" descr="4a3edb2f-e675-11eb-ab27-60f262b60b65.png"/>
+          <p:cNvPicPr>
+            <a:picLocks noChangeAspect="1"/>
+          </p:cNvPicPr>
+          <p:nvPr/>
+        </p:nvPicPr>
+        <p:blipFill>
+          <a:blip r:embed="rId7"/>
+          <a:stretch>
+            <a:fillRect/>
+          </a:stretch>
+        </p:blipFill>
+        <p:spPr>
+          <a:xfrm>
+            <a:off x="200" y="200"/>
+            <a:ext cx="4064000" cy="3810000"/>
+          </a:xfrm>
+          <a:prstGeom prst="rect">
+            <a:avLst/>
+          </a:prstGeom>
+        </p:spPr>
+      </p:pic>
+      <p:pic>
+        <p:nvPicPr>
+          <p:cNvPr id="10" name="Picture 9" descr="4a549fa4-e675-11eb-9243-60f262b60b65.png"/>
+          <p:cNvPicPr>
+            <a:picLocks noChangeAspect="1"/>
+          </p:cNvPicPr>
+          <p:nvPr/>
+        </p:nvPicPr>
+        <p:blipFill>
+          <a:blip r:embed="rId8"/>
+          <a:stretch>
+            <a:fillRect/>
+          </a:stretch>
+        </p:blipFill>
+        <p:spPr>
+          <a:xfrm>
+            <a:off x="200" y="200"/>
+            <a:ext cx="5080000" cy="5080000"/>
+          </a:xfrm>
+          <a:prstGeom prst="rect">
+            <a:avLst/>
+          </a:prstGeom>
+        </p:spPr>
+      </p:pic>
+      <p:pic>
+        <p:nvPicPr>
+          <p:cNvPr id="11" name="Picture 10" descr="4a5d057f-e675-11eb-85ee-60f262b60b65.png"/>
+          <p:cNvPicPr>
+            <a:picLocks noChangeAspect="1"/>
+          </p:cNvPicPr>
+          <p:nvPr/>
+        </p:nvPicPr>
+        <p:blipFill>
+          <a:blip r:embed="rId9"/>
+          <a:stretch>
+            <a:fillRect/>
+          </a:stretch>
+        </p:blipFill>
+        <p:spPr>
+          <a:xfrm>
+            <a:off x="200" y="200"/>
+            <a:ext cx="2540000" cy="2540000"/>
+          </a:xfrm>
+          <a:prstGeom prst="rect">
+            <a:avLst/>
+          </a:prstGeom>
+        </p:spPr>
+      </p:pic>
+      <p:pic>
+        <p:nvPicPr>
+          <p:cNvPr id="12" name="Picture 11" descr="4a623ca7-e675-11eb-b996-60f262b60b65.png"/>
+          <p:cNvPicPr>
+            <a:picLocks noChangeAspect="1"/>
+          </p:cNvPicPr>
+          <p:nvPr/>
+        </p:nvPicPr>
+        <p:blipFill>
+          <a:blip r:embed="rId10"/>
+          <a:stretch>
+            <a:fillRect/>
+          </a:stretch>
+        </p:blipFill>
+        <p:spPr>
+          <a:xfrm>
+            <a:off x="200" y="200"/>
+            <a:ext cx="6350000" cy="6350000"/>
+          </a:xfrm>
+          <a:prstGeom prst="rect">
+            <a:avLst/>
+          </a:prstGeom>
+        </p:spPr>
+      </p:pic>
+      <p:pic>
+        <p:nvPicPr>
+          <p:cNvPr id="13" name="Picture 12" descr="4a693929-e675-11eb-a88b-60f262b60b65.png"/>
+          <p:cNvPicPr>
+            <a:picLocks noChangeAspect="1"/>
+          </p:cNvPicPr>
+          <p:nvPr/>
+        </p:nvPicPr>
+        <p:blipFill>
+          <a:blip r:embed="rId11"/>
+          <a:stretch>
+            <a:fillRect/>
+          </a:stretch>
+        </p:blipFill>
+        <p:spPr>
+          <a:xfrm>
+            <a:off x="200" y="200"/>
+            <a:ext cx="10160000" cy="8890000"/>
+          </a:xfrm>
+          <a:prstGeom prst="rect">
+            <a:avLst/>
+          </a:prstGeom>
+        </p:spPr>
+      </p:pic>
+      <p:pic>
+        <p:nvPicPr>
+          <p:cNvPr id="14" name="Picture 13" descr="4a712836-e675-11eb-8476-60f262b60b65.png"/>
+          <p:cNvPicPr>
+            <a:picLocks noChangeAspect="1"/>
+          </p:cNvPicPr>
+          <p:nvPr/>
+        </p:nvPicPr>
+        <p:blipFill>
+          <a:blip r:embed="rId12"/>
+          <a:stretch>
+            <a:fillRect/>
+          </a:stretch>
+        </p:blipFill>
+        <p:spPr>
+          <a:xfrm>
+            <a:off x="200" y="200"/>
+            <a:ext cx="2540000" cy="2540000"/>
+          </a:xfrm>
+          <a:prstGeom prst="rect">
+            <a:avLst/>
+          </a:prstGeom>
+        </p:spPr>
+      </p:pic>
+      <p:pic>
+        <p:nvPicPr>
+          <p:cNvPr id="15" name="Picture 14" descr="4a763174-e675-11eb-bb0e-60f262b60b65.png"/>
+          <p:cNvPicPr>
+            <a:picLocks noChangeAspect="1"/>
+          </p:cNvPicPr>
+          <p:nvPr/>
+        </p:nvPicPr>
+        <p:blipFill>
+          <a:blip r:embed="rId13"/>
+          <a:stretch>
+            <a:fillRect/>
+          </a:stretch>
+        </p:blipFill>
+        <p:spPr>
+          <a:xfrm>
+            <a:off x="200" y="200"/>
+            <a:ext cx="6350000" cy="6350000"/>
           </a:xfrm>
           <a:prstGeom prst="rect">
             <a:avLst/>

--- a/content/courses/graphics/test/promo.pptx
+++ b/content/courses/graphics/test/promo.pptx
@@ -3152,7 +3152,7 @@
       </p:pic>
       <p:pic>
         <p:nvPicPr>
-          <p:cNvPr id="5" name="Picture 4" descr="4a249c66-e675-11eb-b120-60f262b60b65.png"/>
+          <p:cNvPr id="5" name="Picture 4" descr="thumb_73d6ddfc-e675-11eb-a640-60f262b60b65.png"/>
           <p:cNvPicPr>
             <a:picLocks noChangeAspect="1"/>
           </p:cNvPicPr>
@@ -3166,8 +3166,8 @@
         </p:blipFill>
         <p:spPr>
           <a:xfrm>
-            <a:off x="200" y="200"/>
-            <a:ext cx="5080000" cy="3810000"/>
+            <a:off x="400" y="200"/>
+            <a:ext cx="1905000" cy="1435100"/>
           </a:xfrm>
           <a:prstGeom prst="rect">
             <a:avLst/>
@@ -3176,7 +3176,7 @@
       </p:pic>
       <p:pic>
         <p:nvPicPr>
-          <p:cNvPr id="6" name="Picture 5" descr="4a2d50ae-e675-11eb-a3de-60f262b60b65.png"/>
+          <p:cNvPr id="6" name="Picture 5" descr="thumb_73e00474-e675-11eb-9d9c-60f262b60b65.png"/>
           <p:cNvPicPr>
             <a:picLocks noChangeAspect="1"/>
           </p:cNvPicPr>
@@ -3190,8 +3190,8 @@
         </p:blipFill>
         <p:spPr>
           <a:xfrm>
-            <a:off x="200" y="200"/>
-            <a:ext cx="2540000" cy="2540000"/>
+            <a:off x="400" y="200"/>
+            <a:ext cx="1905000" cy="1905000"/>
           </a:xfrm>
           <a:prstGeom prst="rect">
             <a:avLst/>
@@ -3200,7 +3200,7 @@
       </p:pic>
       <p:pic>
         <p:nvPicPr>
-          <p:cNvPr id="7" name="Picture 6" descr="4a32cd27-e675-11eb-b133-60f262b60b65.png"/>
+          <p:cNvPr id="7" name="Picture 6" descr="thumb_73e5845b-e675-11eb-a938-60f262b60b65.png"/>
           <p:cNvPicPr>
             <a:picLocks noChangeAspect="1"/>
           </p:cNvPicPr>
@@ -3214,8 +3214,8 @@
         </p:blipFill>
         <p:spPr>
           <a:xfrm>
-            <a:off x="200" y="200"/>
-            <a:ext cx="2540000" cy="2540000"/>
+            <a:off x="400" y="200"/>
+            <a:ext cx="1905000" cy="1905000"/>
           </a:xfrm>
           <a:prstGeom prst="rect">
             <a:avLst/>
@@ -3224,7 +3224,7 @@
       </p:pic>
       <p:pic>
         <p:nvPicPr>
-          <p:cNvPr id="8" name="Picture 7" descr="4a38c0a9-e675-11eb-9db0-60f262b60b65.png"/>
+          <p:cNvPr id="8" name="Picture 7" descr="thumb_73eb9d39-e675-11eb-b87a-60f262b60b65.png"/>
           <p:cNvPicPr>
             <a:picLocks noChangeAspect="1"/>
           </p:cNvPicPr>
@@ -3238,8 +3238,8 @@
         </p:blipFill>
         <p:spPr>
           <a:xfrm>
-            <a:off x="200" y="200"/>
-            <a:ext cx="5080000" cy="5080000"/>
+            <a:off x="400" y="200"/>
+            <a:ext cx="1905000" cy="1905000"/>
           </a:xfrm>
           <a:prstGeom prst="rect">
             <a:avLst/>
@@ -3248,7 +3248,7 @@
       </p:pic>
       <p:pic>
         <p:nvPicPr>
-          <p:cNvPr id="9" name="Picture 8" descr="4a3edb2f-e675-11eb-ab27-60f262b60b65.png"/>
+          <p:cNvPr id="9" name="Picture 8" descr="thumb_73f14274-e675-11eb-91cb-60f262b60b65.png"/>
           <p:cNvPicPr>
             <a:picLocks noChangeAspect="1"/>
           </p:cNvPicPr>
@@ -3262,8 +3262,8 @@
         </p:blipFill>
         <p:spPr>
           <a:xfrm>
-            <a:off x="200" y="200"/>
-            <a:ext cx="4064000" cy="3810000"/>
+            <a:off x="400" y="200"/>
+            <a:ext cx="1905000" cy="1790700"/>
           </a:xfrm>
           <a:prstGeom prst="rect">
             <a:avLst/>
@@ -3272,7 +3272,7 @@
       </p:pic>
       <p:pic>
         <p:nvPicPr>
-          <p:cNvPr id="10" name="Picture 9" descr="4a549fa4-e675-11eb-9243-60f262b60b65.png"/>
+          <p:cNvPr id="10" name="Picture 9" descr="thumb_73f699a4-e675-11eb-a341-60f262b60b65.png"/>
           <p:cNvPicPr>
             <a:picLocks noChangeAspect="1"/>
           </p:cNvPicPr>
@@ -3286,8 +3286,8 @@
         </p:blipFill>
         <p:spPr>
           <a:xfrm>
-            <a:off x="200" y="200"/>
-            <a:ext cx="5080000" cy="5080000"/>
+            <a:off x="400" y="200"/>
+            <a:ext cx="1905000" cy="1905000"/>
           </a:xfrm>
           <a:prstGeom prst="rect">
             <a:avLst/>
@@ -3296,7 +3296,7 @@
       </p:pic>
       <p:pic>
         <p:nvPicPr>
-          <p:cNvPr id="11" name="Picture 10" descr="4a5d057f-e675-11eb-85ee-60f262b60b65.png"/>
+          <p:cNvPr id="11" name="Picture 10" descr="thumb_73fd515c-e675-11eb-8baa-60f262b60b65.png"/>
           <p:cNvPicPr>
             <a:picLocks noChangeAspect="1"/>
           </p:cNvPicPr>
@@ -3310,8 +3310,8 @@
         </p:blipFill>
         <p:spPr>
           <a:xfrm>
-            <a:off x="200" y="200"/>
-            <a:ext cx="2540000" cy="2540000"/>
+            <a:off x="400" y="200"/>
+            <a:ext cx="1905000" cy="1905000"/>
           </a:xfrm>
           <a:prstGeom prst="rect">
             <a:avLst/>
@@ -3320,7 +3320,7 @@
       </p:pic>
       <p:pic>
         <p:nvPicPr>
-          <p:cNvPr id="12" name="Picture 11" descr="4a623ca7-e675-11eb-b996-60f262b60b65.png"/>
+          <p:cNvPr id="12" name="Picture 11" descr="thumb_74025a00-e675-11eb-8e5e-60f262b60b65.png"/>
           <p:cNvPicPr>
             <a:picLocks noChangeAspect="1"/>
           </p:cNvPicPr>
@@ -3334,8 +3334,8 @@
         </p:blipFill>
         <p:spPr>
           <a:xfrm>
-            <a:off x="200" y="200"/>
-            <a:ext cx="6350000" cy="6350000"/>
+            <a:off x="400" y="200"/>
+            <a:ext cx="1905000" cy="1905000"/>
           </a:xfrm>
           <a:prstGeom prst="rect">
             <a:avLst/>
@@ -3344,7 +3344,7 @@
       </p:pic>
       <p:pic>
         <p:nvPicPr>
-          <p:cNvPr id="13" name="Picture 12" descr="4a693929-e675-11eb-a88b-60f262b60b65.png"/>
+          <p:cNvPr id="13" name="Picture 12" descr="thumb_740873f1-e675-11eb-832c-60f262b60b65.png"/>
           <p:cNvPicPr>
             <a:picLocks noChangeAspect="1"/>
           </p:cNvPicPr>
@@ -3358,8 +3358,8 @@
         </p:blipFill>
         <p:spPr>
           <a:xfrm>
-            <a:off x="200" y="200"/>
-            <a:ext cx="10160000" cy="8890000"/>
+            <a:off x="400" y="200"/>
+            <a:ext cx="1905000" cy="1663700"/>
           </a:xfrm>
           <a:prstGeom prst="rect">
             <a:avLst/>
@@ -3368,7 +3368,7 @@
       </p:pic>
       <p:pic>
         <p:nvPicPr>
-          <p:cNvPr id="14" name="Picture 13" descr="4a712836-e675-11eb-8476-60f262b60b65.png"/>
+          <p:cNvPr id="14" name="Picture 13" descr="thumb_740fee03-e675-11eb-8a07-60f262b60b65.png"/>
           <p:cNvPicPr>
             <a:picLocks noChangeAspect="1"/>
           </p:cNvPicPr>
@@ -3382,8 +3382,8 @@
         </p:blipFill>
         <p:spPr>
           <a:xfrm>
-            <a:off x="200" y="200"/>
-            <a:ext cx="2540000" cy="2540000"/>
+            <a:off x="400" y="200"/>
+            <a:ext cx="1905000" cy="1905000"/>
           </a:xfrm>
           <a:prstGeom prst="rect">
             <a:avLst/>
@@ -3392,7 +3392,7 @@
       </p:pic>
       <p:pic>
         <p:nvPicPr>
-          <p:cNvPr id="15" name="Picture 14" descr="4a763174-e675-11eb-bb0e-60f262b60b65.png"/>
+          <p:cNvPr id="15" name="Picture 14" descr="thumb_74174109-e675-11eb-938f-60f262b60b65.png"/>
           <p:cNvPicPr>
             <a:picLocks noChangeAspect="1"/>
           </p:cNvPicPr>
@@ -3406,8 +3406,8 @@
         </p:blipFill>
         <p:spPr>
           <a:xfrm>
-            <a:off x="200" y="200"/>
-            <a:ext cx="6350000" cy="6350000"/>
+            <a:off x="400" y="200"/>
+            <a:ext cx="1905000" cy="1905000"/>
           </a:xfrm>
           <a:prstGeom prst="rect">
             <a:avLst/>

--- a/content/courses/graphics/test/promo.pptx
+++ b/content/courses/graphics/test/promo.pptx
@@ -7,7 +7,7 @@
   <p:sldIdLst>
     <p:sldId id="256" r:id="rId7"/>
   </p:sldIdLst>
-  <p:sldSz cx="9144000" cy="6858000" type="screen4x3"/>
+  <p:sldSz cx="9144000" cy="5143500" type="screen4x3"/>
   <p:notesSz cx="6858000" cy="9144000"/>
   <p:defaultTextStyle>
     <a:defPPr>
@@ -3142,7 +3142,7 @@
         </p:blipFill>
         <p:spPr>
           <a:xfrm>
-            <a:off x="-100" y="100"/>
+            <a:off x="0" y="0"/>
             <a:ext cx="5207000" cy="5207000"/>
           </a:xfrm>
           <a:prstGeom prst="rect">
@@ -3152,7 +3152,7 @@
       </p:pic>
       <p:pic>
         <p:nvPicPr>
-          <p:cNvPr id="5" name="Picture 4" descr="thumb_73d6ddfc-e675-11eb-a640-60f262b60b65.png"/>
+          <p:cNvPr id="5" name="Picture 4" descr="thumb_cbe7f966-e676-11eb-ad9b-60f262b60b65.png"/>
           <p:cNvPicPr>
             <a:picLocks noChangeAspect="1"/>
           </p:cNvPicPr>
@@ -3166,7 +3166,7 @@
         </p:blipFill>
         <p:spPr>
           <a:xfrm>
-            <a:off x="400" y="200"/>
+            <a:off x="0" y="2571750"/>
             <a:ext cx="1905000" cy="1435100"/>
           </a:xfrm>
           <a:prstGeom prst="rect">
@@ -3176,7 +3176,7 @@
       </p:pic>
       <p:pic>
         <p:nvPicPr>
-          <p:cNvPr id="6" name="Picture 5" descr="thumb_73e00474-e675-11eb-9d9c-60f262b60b65.png"/>
+          <p:cNvPr id="6" name="Picture 5" descr="thumb_cbf0d344-e676-11eb-898b-60f262b60b65.png"/>
           <p:cNvPicPr>
             <a:picLocks noChangeAspect="1"/>
           </p:cNvPicPr>
@@ -3190,7 +3190,7 @@
         </p:blipFill>
         <p:spPr>
           <a:xfrm>
-            <a:off x="400" y="200"/>
+            <a:off x="762000" y="2571750"/>
             <a:ext cx="1905000" cy="1905000"/>
           </a:xfrm>
           <a:prstGeom prst="rect">
@@ -3200,7 +3200,7 @@
       </p:pic>
       <p:pic>
         <p:nvPicPr>
-          <p:cNvPr id="7" name="Picture 6" descr="thumb_73e5845b-e675-11eb-a938-60f262b60b65.png"/>
+          <p:cNvPr id="7" name="Picture 6" descr="thumb_cbf65019-e676-11eb-9a22-60f262b60b65.png"/>
           <p:cNvPicPr>
             <a:picLocks noChangeAspect="1"/>
           </p:cNvPicPr>
@@ -3214,7 +3214,7 @@
         </p:blipFill>
         <p:spPr>
           <a:xfrm>
-            <a:off x="400" y="200"/>
+            <a:off x="1524000" y="2571750"/>
             <a:ext cx="1905000" cy="1905000"/>
           </a:xfrm>
           <a:prstGeom prst="rect">
@@ -3224,7 +3224,7 @@
       </p:pic>
       <p:pic>
         <p:nvPicPr>
-          <p:cNvPr id="8" name="Picture 7" descr="thumb_73eb9d39-e675-11eb-b87a-60f262b60b65.png"/>
+          <p:cNvPr id="8" name="Picture 7" descr="thumb_cbfba756-e676-11eb-8003-60f262b60b65.png"/>
           <p:cNvPicPr>
             <a:picLocks noChangeAspect="1"/>
           </p:cNvPicPr>
@@ -3238,7 +3238,7 @@
         </p:blipFill>
         <p:spPr>
           <a:xfrm>
-            <a:off x="400" y="200"/>
+            <a:off x="2286000" y="2571750"/>
             <a:ext cx="1905000" cy="1905000"/>
           </a:xfrm>
           <a:prstGeom prst="rect">
@@ -3248,7 +3248,7 @@
       </p:pic>
       <p:pic>
         <p:nvPicPr>
-          <p:cNvPr id="9" name="Picture 8" descr="thumb_73f14274-e675-11eb-91cb-60f262b60b65.png"/>
+          <p:cNvPr id="9" name="Picture 8" descr="thumb_cc01c314-e676-11eb-99cd-60f262b60b65.png"/>
           <p:cNvPicPr>
             <a:picLocks noChangeAspect="1"/>
           </p:cNvPicPr>
@@ -3262,7 +3262,7 @@
         </p:blipFill>
         <p:spPr>
           <a:xfrm>
-            <a:off x="400" y="200"/>
+            <a:off x="3048000" y="2571750"/>
             <a:ext cx="1905000" cy="1790700"/>
           </a:xfrm>
           <a:prstGeom prst="rect">
@@ -3272,7 +3272,7 @@
       </p:pic>
       <p:pic>
         <p:nvPicPr>
-          <p:cNvPr id="10" name="Picture 9" descr="thumb_73f699a4-e675-11eb-a341-60f262b60b65.png"/>
+          <p:cNvPr id="10" name="Picture 9" descr="thumb_cc341d6a-e676-11eb-ae63-60f262b60b65.png"/>
           <p:cNvPicPr>
             <a:picLocks noChangeAspect="1"/>
           </p:cNvPicPr>
@@ -3286,8 +3286,8 @@
         </p:blipFill>
         <p:spPr>
           <a:xfrm>
-            <a:off x="400" y="200"/>
-            <a:ext cx="1905000" cy="1905000"/>
+            <a:off x="3810000" y="2571750"/>
+            <a:ext cx="1905000" cy="1790700"/>
           </a:xfrm>
           <a:prstGeom prst="rect">
             <a:avLst/>
@@ -3296,7 +3296,7 @@
       </p:pic>
       <p:pic>
         <p:nvPicPr>
-          <p:cNvPr id="11" name="Picture 10" descr="thumb_73fd515c-e675-11eb-8baa-60f262b60b65.png"/>
+          <p:cNvPr id="11" name="Picture 10" descr="thumb_cc38b044-e676-11eb-be59-60f262b60b65.png"/>
           <p:cNvPicPr>
             <a:picLocks noChangeAspect="1"/>
           </p:cNvPicPr>
@@ -3310,7 +3310,7 @@
         </p:blipFill>
         <p:spPr>
           <a:xfrm>
-            <a:off x="400" y="200"/>
+            <a:off x="4572000" y="2571750"/>
             <a:ext cx="1905000" cy="1905000"/>
           </a:xfrm>
           <a:prstGeom prst="rect">
@@ -3320,7 +3320,7 @@
       </p:pic>
       <p:pic>
         <p:nvPicPr>
-          <p:cNvPr id="12" name="Picture 11" descr="thumb_74025a00-e675-11eb-8e5e-60f262b60b65.png"/>
+          <p:cNvPr id="12" name="Picture 11" descr="thumb_cc3ef2e7-e676-11eb-80c3-60f262b60b65.png"/>
           <p:cNvPicPr>
             <a:picLocks noChangeAspect="1"/>
           </p:cNvPicPr>
@@ -3334,7 +3334,7 @@
         </p:blipFill>
         <p:spPr>
           <a:xfrm>
-            <a:off x="400" y="200"/>
+            <a:off x="5334000" y="2571750"/>
             <a:ext cx="1905000" cy="1905000"/>
           </a:xfrm>
           <a:prstGeom prst="rect">
@@ -3344,7 +3344,7 @@
       </p:pic>
       <p:pic>
         <p:nvPicPr>
-          <p:cNvPr id="13" name="Picture 12" descr="thumb_740873f1-e675-11eb-832c-60f262b60b65.png"/>
+          <p:cNvPr id="13" name="Picture 12" descr="thumb_cc450d66-e676-11eb-bc7f-60f262b60b65.png"/>
           <p:cNvPicPr>
             <a:picLocks noChangeAspect="1"/>
           </p:cNvPicPr>
@@ -3358,8 +3358,8 @@
         </p:blipFill>
         <p:spPr>
           <a:xfrm>
-            <a:off x="400" y="200"/>
-            <a:ext cx="1905000" cy="1663700"/>
+            <a:off x="6096000" y="2571750"/>
+            <a:ext cx="1905000" cy="1905000"/>
           </a:xfrm>
           <a:prstGeom prst="rect">
             <a:avLst/>
@@ -3368,7 +3368,7 @@
       </p:pic>
       <p:pic>
         <p:nvPicPr>
-          <p:cNvPr id="14" name="Picture 13" descr="thumb_740fee03-e675-11eb-8a07-60f262b60b65.png"/>
+          <p:cNvPr id="14" name="Picture 13" descr="thumb_cc4bc42b-e676-11eb-a3d9-60f262b60b65.png"/>
           <p:cNvPicPr>
             <a:picLocks noChangeAspect="1"/>
           </p:cNvPicPr>
@@ -3382,8 +3382,8 @@
         </p:blipFill>
         <p:spPr>
           <a:xfrm>
-            <a:off x="400" y="200"/>
-            <a:ext cx="1905000" cy="1905000"/>
+            <a:off x="6858000" y="2571750"/>
+            <a:ext cx="1905000" cy="1663700"/>
           </a:xfrm>
           <a:prstGeom prst="rect">
             <a:avLst/>
@@ -3392,7 +3392,7 @@
       </p:pic>
       <p:pic>
         <p:nvPicPr>
-          <p:cNvPr id="15" name="Picture 14" descr="thumb_74174109-e675-11eb-938f-60f262b60b65.png"/>
+          <p:cNvPr id="15" name="Picture 14" descr="thumb_cc533d1f-e676-11eb-a146-60f262b60b65.png"/>
           <p:cNvPicPr>
             <a:picLocks noChangeAspect="1"/>
           </p:cNvPicPr>
@@ -3406,7 +3406,31 @@
         </p:blipFill>
         <p:spPr>
           <a:xfrm>
-            <a:off x="400" y="200"/>
+            <a:off x="7620000" y="2571750"/>
+            <a:ext cx="1905000" cy="1905000"/>
+          </a:xfrm>
+          <a:prstGeom prst="rect">
+            <a:avLst/>
+          </a:prstGeom>
+        </p:spPr>
+      </p:pic>
+      <p:pic>
+        <p:nvPicPr>
+          <p:cNvPr id="16" name="Picture 15" descr="thumb_cc58bb6f-e676-11eb-86ad-60f262b60b65.png"/>
+          <p:cNvPicPr>
+            <a:picLocks noChangeAspect="1"/>
+          </p:cNvPicPr>
+          <p:nvPr/>
+        </p:nvPicPr>
+        <p:blipFill>
+          <a:blip r:embed="rId14"/>
+          <a:stretch>
+            <a:fillRect/>
+          </a:stretch>
+        </p:blipFill>
+        <p:spPr>
+          <a:xfrm>
+            <a:off x="8382000" y="2571750"/>
             <a:ext cx="1905000" cy="1905000"/>
           </a:xfrm>
           <a:prstGeom prst="rect">

--- a/content/courses/graphics/test/promo.pptx
+++ b/content/courses/graphics/test/promo.pptx
@@ -3123,7 +3123,11 @@
         <p:txBody>
           <a:bodyPr/>
           <a:lstStyle/>
-          <a:p/>
+          <a:p>
+            <a:r>
+              <a:t>See more at https://trojancs.org/courses/graphics/test/</a:t>
+            </a:r>
+          </a:p>
         </p:txBody>
       </p:sp>
       <p:pic>
@@ -3143,7 +3147,7 @@
         <p:spPr>
           <a:xfrm>
             <a:off x="0" y="0"/>
-            <a:ext cx="5207000" cy="5207000"/>
+            <a:ext cx="1285875" cy="1285875"/>
           </a:xfrm>
           <a:prstGeom prst="rect">
             <a:avLst/>
@@ -3152,7 +3156,7 @@
       </p:pic>
       <p:pic>
         <p:nvPicPr>
-          <p:cNvPr id="5" name="Picture 4" descr="thumb_cbe7f966-e676-11eb-ad9b-60f262b60b65.png"/>
+          <p:cNvPr id="5" name="Picture 4" descr="thumb_f5369f17-e677-11eb-b7a9-60f262b60b65.png"/>
           <p:cNvPicPr>
             <a:picLocks noChangeAspect="1"/>
           </p:cNvPicPr>
@@ -3167,7 +3171,7 @@
         <p:spPr>
           <a:xfrm>
             <a:off x="0" y="2571750"/>
-            <a:ext cx="1905000" cy="1435100"/>
+            <a:ext cx="1285875" cy="1028700"/>
           </a:xfrm>
           <a:prstGeom prst="rect">
             <a:avLst/>
@@ -3176,7 +3180,7 @@
       </p:pic>
       <p:pic>
         <p:nvPicPr>
-          <p:cNvPr id="6" name="Picture 5" descr="thumb_cbf0d344-e676-11eb-898b-60f262b60b65.png"/>
+          <p:cNvPr id="6" name="Picture 5" descr="thumb_f5408915-e677-11eb-bab5-60f262b60b65.png"/>
           <p:cNvPicPr>
             <a:picLocks noChangeAspect="1"/>
           </p:cNvPicPr>
@@ -3191,7 +3195,7 @@
         <p:spPr>
           <a:xfrm>
             <a:off x="762000" y="2571750"/>
-            <a:ext cx="1905000" cy="1905000"/>
+            <a:ext cx="1285875" cy="1028700"/>
           </a:xfrm>
           <a:prstGeom prst="rect">
             <a:avLst/>
@@ -3200,7 +3204,7 @@
       </p:pic>
       <p:pic>
         <p:nvPicPr>
-          <p:cNvPr id="7" name="Picture 6" descr="thumb_cbf65019-e676-11eb-9a22-60f262b60b65.png"/>
+          <p:cNvPr id="7" name="Picture 6" descr="thumb_f546caa7-e677-11eb-8f3e-60f262b60b65.png"/>
           <p:cNvPicPr>
             <a:picLocks noChangeAspect="1"/>
           </p:cNvPicPr>
@@ -3215,7 +3219,7 @@
         <p:spPr>
           <a:xfrm>
             <a:off x="1524000" y="2571750"/>
-            <a:ext cx="1905000" cy="1905000"/>
+            <a:ext cx="1285875" cy="1028700"/>
           </a:xfrm>
           <a:prstGeom prst="rect">
             <a:avLst/>
@@ -3224,7 +3228,7 @@
       </p:pic>
       <p:pic>
         <p:nvPicPr>
-          <p:cNvPr id="8" name="Picture 7" descr="thumb_cbfba756-e676-11eb-8003-60f262b60b65.png"/>
+          <p:cNvPr id="8" name="Picture 7" descr="thumb_f54d3338-e677-11eb-afe8-60f262b60b65.png"/>
           <p:cNvPicPr>
             <a:picLocks noChangeAspect="1"/>
           </p:cNvPicPr>
@@ -3239,7 +3243,7 @@
         <p:spPr>
           <a:xfrm>
             <a:off x="2286000" y="2571750"/>
-            <a:ext cx="1905000" cy="1905000"/>
+            <a:ext cx="1285875" cy="1028700"/>
           </a:xfrm>
           <a:prstGeom prst="rect">
             <a:avLst/>
@@ -3248,7 +3252,7 @@
       </p:pic>
       <p:pic>
         <p:nvPicPr>
-          <p:cNvPr id="9" name="Picture 8" descr="thumb_cc01c314-e676-11eb-99cd-60f262b60b65.png"/>
+          <p:cNvPr id="9" name="Picture 8" descr="thumb_f5534460-e677-11eb-90a7-60f262b60b65.png"/>
           <p:cNvPicPr>
             <a:picLocks noChangeAspect="1"/>
           </p:cNvPicPr>
@@ -3263,7 +3267,7 @@
         <p:spPr>
           <a:xfrm>
             <a:off x="3048000" y="2571750"/>
-            <a:ext cx="1905000" cy="1790700"/>
+            <a:ext cx="1285875" cy="1028700"/>
           </a:xfrm>
           <a:prstGeom prst="rect">
             <a:avLst/>
@@ -3272,7 +3276,7 @@
       </p:pic>
       <p:pic>
         <p:nvPicPr>
-          <p:cNvPr id="10" name="Picture 9" descr="thumb_cc341d6a-e676-11eb-ae63-60f262b60b65.png"/>
+          <p:cNvPr id="10" name="Picture 9" descr="thumb_f55901c8-e677-11eb-b77b-60f262b60b65.png"/>
           <p:cNvPicPr>
             <a:picLocks noChangeAspect="1"/>
           </p:cNvPicPr>
@@ -3287,7 +3291,7 @@
         <p:spPr>
           <a:xfrm>
             <a:off x="3810000" y="2571750"/>
-            <a:ext cx="1905000" cy="1790700"/>
+            <a:ext cx="1285875" cy="1028700"/>
           </a:xfrm>
           <a:prstGeom prst="rect">
             <a:avLst/>
@@ -3296,7 +3300,7 @@
       </p:pic>
       <p:pic>
         <p:nvPicPr>
-          <p:cNvPr id="11" name="Picture 10" descr="thumb_cc38b044-e676-11eb-be59-60f262b60b65.png"/>
+          <p:cNvPr id="11" name="Picture 10" descr="thumb_f5998d3f-e677-11eb-af8d-60f262b60b65.png"/>
           <p:cNvPicPr>
             <a:picLocks noChangeAspect="1"/>
           </p:cNvPicPr>
@@ -3311,7 +3315,7 @@
         <p:spPr>
           <a:xfrm>
             <a:off x="4572000" y="2571750"/>
-            <a:ext cx="1905000" cy="1905000"/>
+            <a:ext cx="1285875" cy="1028700"/>
           </a:xfrm>
           <a:prstGeom prst="rect">
             <a:avLst/>
@@ -3320,7 +3324,7 @@
       </p:pic>
       <p:pic>
         <p:nvPicPr>
-          <p:cNvPr id="12" name="Picture 11" descr="thumb_cc3ef2e7-e676-11eb-80c3-60f262b60b65.png"/>
+          <p:cNvPr id="12" name="Picture 11" descr="thumb_f59f5cc7-e677-11eb-8fae-60f262b60b65.png"/>
           <p:cNvPicPr>
             <a:picLocks noChangeAspect="1"/>
           </p:cNvPicPr>
@@ -3335,7 +3339,7 @@
         <p:spPr>
           <a:xfrm>
             <a:off x="5334000" y="2571750"/>
-            <a:ext cx="1905000" cy="1905000"/>
+            <a:ext cx="1285875" cy="1028700"/>
           </a:xfrm>
           <a:prstGeom prst="rect">
             <a:avLst/>
@@ -3344,7 +3348,7 @@
       </p:pic>
       <p:pic>
         <p:nvPicPr>
-          <p:cNvPr id="13" name="Picture 12" descr="thumb_cc450d66-e676-11eb-bc7f-60f262b60b65.png"/>
+          <p:cNvPr id="13" name="Picture 12" descr="thumb_f5a46295-e677-11eb-a095-60f262b60b65.png"/>
           <p:cNvPicPr>
             <a:picLocks noChangeAspect="1"/>
           </p:cNvPicPr>
@@ -3359,7 +3363,7 @@
         <p:spPr>
           <a:xfrm>
             <a:off x="6096000" y="2571750"/>
-            <a:ext cx="1905000" cy="1905000"/>
+            <a:ext cx="1285875" cy="1028700"/>
           </a:xfrm>
           <a:prstGeom prst="rect">
             <a:avLst/>
@@ -3368,7 +3372,7 @@
       </p:pic>
       <p:pic>
         <p:nvPicPr>
-          <p:cNvPr id="14" name="Picture 13" descr="thumb_cc4bc42b-e676-11eb-a3d9-60f262b60b65.png"/>
+          <p:cNvPr id="14" name="Picture 13" descr="thumb_f5aacb47-e677-11eb-b71c-60f262b60b65.png"/>
           <p:cNvPicPr>
             <a:picLocks noChangeAspect="1"/>
           </p:cNvPicPr>
@@ -3383,7 +3387,7 @@
         <p:spPr>
           <a:xfrm>
             <a:off x="6858000" y="2571750"/>
-            <a:ext cx="1905000" cy="1663700"/>
+            <a:ext cx="1285875" cy="1028700"/>
           </a:xfrm>
           <a:prstGeom prst="rect">
             <a:avLst/>
@@ -3392,7 +3396,7 @@
       </p:pic>
       <p:pic>
         <p:nvPicPr>
-          <p:cNvPr id="15" name="Picture 14" descr="thumb_cc533d1f-e676-11eb-a146-60f262b60b65.png"/>
+          <p:cNvPr id="15" name="Picture 14" descr="thumb_f5b24557-e677-11eb-a15c-60f262b60b65.png"/>
           <p:cNvPicPr>
             <a:picLocks noChangeAspect="1"/>
           </p:cNvPicPr>
@@ -3407,7 +3411,7 @@
         <p:spPr>
           <a:xfrm>
             <a:off x="7620000" y="2571750"/>
-            <a:ext cx="1905000" cy="1905000"/>
+            <a:ext cx="1285875" cy="1028700"/>
           </a:xfrm>
           <a:prstGeom prst="rect">
             <a:avLst/>
@@ -3416,7 +3420,7 @@
       </p:pic>
       <p:pic>
         <p:nvPicPr>
-          <p:cNvPr id="16" name="Picture 15" descr="thumb_cc58bb6f-e676-11eb-86ad-60f262b60b65.png"/>
+          <p:cNvPr id="16" name="Picture 15" descr="thumb_f5b811bf-e677-11eb-93f9-60f262b60b65.png"/>
           <p:cNvPicPr>
             <a:picLocks noChangeAspect="1"/>
           </p:cNvPicPr>
@@ -3431,7 +3435,7 @@
         <p:spPr>
           <a:xfrm>
             <a:off x="8382000" y="2571750"/>
-            <a:ext cx="1905000" cy="1905000"/>
+            <a:ext cx="1285875" cy="1028700"/>
           </a:xfrm>
           <a:prstGeom prst="rect">
             <a:avLst/>

--- a/content/courses/graphics/test/promo.pptx
+++ b/content/courses/graphics/test/promo.pptx
@@ -3156,7 +3156,7 @@
       </p:pic>
       <p:pic>
         <p:nvPicPr>
-          <p:cNvPr id="5" name="Picture 4" descr="thumb_f5369f17-e677-11eb-b7a9-60f262b60b65.png"/>
+          <p:cNvPr id="5" name="Picture 4" descr="thumb_b7f96477-e678-11eb-ad11-60f262b60b65.png"/>
           <p:cNvPicPr>
             <a:picLocks noChangeAspect="1"/>
           </p:cNvPicPr>
@@ -3171,7 +3171,7 @@
         <p:spPr>
           <a:xfrm>
             <a:off x="0" y="2571750"/>
-            <a:ext cx="1285875" cy="1028700"/>
+            <a:ext cx="1285875" cy="968693"/>
           </a:xfrm>
           <a:prstGeom prst="rect">
             <a:avLst/>
@@ -3180,7 +3180,7 @@
       </p:pic>
       <p:pic>
         <p:nvPicPr>
-          <p:cNvPr id="6" name="Picture 5" descr="thumb_f5408915-e677-11eb-bab5-60f262b60b65.png"/>
+          <p:cNvPr id="6" name="Picture 5" descr="thumb_b802d8ed-e678-11eb-ac64-60f262b60b65.png"/>
           <p:cNvPicPr>
             <a:picLocks noChangeAspect="1"/>
           </p:cNvPicPr>
@@ -3194,8 +3194,8 @@
         </p:blipFill>
         <p:spPr>
           <a:xfrm>
-            <a:off x="762000" y="2571750"/>
-            <a:ext cx="1285875" cy="1028700"/>
+            <a:off x="831272" y="2571750"/>
+            <a:ext cx="1285875" cy="1285875"/>
           </a:xfrm>
           <a:prstGeom prst="rect">
             <a:avLst/>
@@ -3204,7 +3204,7 @@
       </p:pic>
       <p:pic>
         <p:nvPicPr>
-          <p:cNvPr id="7" name="Picture 6" descr="thumb_f546caa7-e677-11eb-8f3e-60f262b60b65.png"/>
+          <p:cNvPr id="7" name="Picture 6" descr="thumb_b80915db-e678-11eb-aafc-60f262b60b65.png"/>
           <p:cNvPicPr>
             <a:picLocks noChangeAspect="1"/>
           </p:cNvPicPr>
@@ -3218,8 +3218,8 @@
         </p:blipFill>
         <p:spPr>
           <a:xfrm>
-            <a:off x="1524000" y="2571750"/>
-            <a:ext cx="1285875" cy="1028700"/>
+            <a:off x="1662545" y="2571750"/>
+            <a:ext cx="1285875" cy="1285875"/>
           </a:xfrm>
           <a:prstGeom prst="rect">
             <a:avLst/>
@@ -3228,7 +3228,7 @@
       </p:pic>
       <p:pic>
         <p:nvPicPr>
-          <p:cNvPr id="8" name="Picture 7" descr="thumb_f54d3338-e677-11eb-afe8-60f262b60b65.png"/>
+          <p:cNvPr id="8" name="Picture 7" descr="thumb_b80ebb27-e678-11eb-800f-60f262b60b65.png"/>
           <p:cNvPicPr>
             <a:picLocks noChangeAspect="1"/>
           </p:cNvPicPr>
@@ -3242,8 +3242,8 @@
         </p:blipFill>
         <p:spPr>
           <a:xfrm>
-            <a:off x="2286000" y="2571750"/>
-            <a:ext cx="1285875" cy="1028700"/>
+            <a:off x="2493818" y="2571750"/>
+            <a:ext cx="1285875" cy="1285875"/>
           </a:xfrm>
           <a:prstGeom prst="rect">
             <a:avLst/>
@@ -3252,7 +3252,7 @@
       </p:pic>
       <p:pic>
         <p:nvPicPr>
-          <p:cNvPr id="9" name="Picture 8" descr="thumb_f5534460-e677-11eb-90a7-60f262b60b65.png"/>
+          <p:cNvPr id="9" name="Picture 8" descr="thumb_b8164430-e678-11eb-b023-60f262b60b65.png"/>
           <p:cNvPicPr>
             <a:picLocks noChangeAspect="1"/>
           </p:cNvPicPr>
@@ -3266,8 +3266,8 @@
         </p:blipFill>
         <p:spPr>
           <a:xfrm>
-            <a:off x="3048000" y="2571750"/>
-            <a:ext cx="1285875" cy="1028700"/>
+            <a:off x="3325090" y="2571750"/>
+            <a:ext cx="1285875" cy="1208722"/>
           </a:xfrm>
           <a:prstGeom prst="rect">
             <a:avLst/>
@@ -3276,7 +3276,7 @@
       </p:pic>
       <p:pic>
         <p:nvPicPr>
-          <p:cNvPr id="10" name="Picture 9" descr="thumb_f55901c8-e677-11eb-b77b-60f262b60b65.png"/>
+          <p:cNvPr id="10" name="Picture 9" descr="thumb_b81bc097-e678-11eb-9a2a-60f262b60b65.png"/>
           <p:cNvPicPr>
             <a:picLocks noChangeAspect="1"/>
           </p:cNvPicPr>
@@ -3290,8 +3290,8 @@
         </p:blipFill>
         <p:spPr>
           <a:xfrm>
-            <a:off x="3810000" y="2571750"/>
-            <a:ext cx="1285875" cy="1028700"/>
+            <a:off x="4156363" y="2571750"/>
+            <a:ext cx="1285875" cy="1285875"/>
           </a:xfrm>
           <a:prstGeom prst="rect">
             <a:avLst/>
@@ -3300,7 +3300,7 @@
       </p:pic>
       <p:pic>
         <p:nvPicPr>
-          <p:cNvPr id="11" name="Picture 10" descr="thumb_f5998d3f-e677-11eb-af8d-60f262b60b65.png"/>
+          <p:cNvPr id="11" name="Picture 10" descr="thumb_b82278f2-e678-11eb-bc0a-60f262b60b65.png"/>
           <p:cNvPicPr>
             <a:picLocks noChangeAspect="1"/>
           </p:cNvPicPr>
@@ -3314,8 +3314,8 @@
         </p:blipFill>
         <p:spPr>
           <a:xfrm>
-            <a:off x="4572000" y="2571750"/>
-            <a:ext cx="1285875" cy="1028700"/>
+            <a:off x="4987636" y="2571750"/>
+            <a:ext cx="1285875" cy="1285875"/>
           </a:xfrm>
           <a:prstGeom prst="rect">
             <a:avLst/>
@@ -3324,7 +3324,7 @@
       </p:pic>
       <p:pic>
         <p:nvPicPr>
-          <p:cNvPr id="12" name="Picture 11" descr="thumb_f59f5cc7-e677-11eb-8fae-60f262b60b65.png"/>
+          <p:cNvPr id="12" name="Picture 11" descr="thumb_b827a768-e678-11eb-925f-60f262b60b65.png"/>
           <p:cNvPicPr>
             <a:picLocks noChangeAspect="1"/>
           </p:cNvPicPr>
@@ -3338,8 +3338,8 @@
         </p:blipFill>
         <p:spPr>
           <a:xfrm>
-            <a:off x="5334000" y="2571750"/>
-            <a:ext cx="1285875" cy="1028700"/>
+            <a:off x="5818909" y="2571750"/>
+            <a:ext cx="1285875" cy="1285875"/>
           </a:xfrm>
           <a:prstGeom prst="rect">
             <a:avLst/>
@@ -3348,7 +3348,7 @@
       </p:pic>
       <p:pic>
         <p:nvPicPr>
-          <p:cNvPr id="13" name="Picture 12" descr="thumb_f5a46295-e677-11eb-a095-60f262b60b65.png"/>
+          <p:cNvPr id="13" name="Picture 12" descr="thumb_b82ed35a-e678-11eb-8d1b-60f262b60b65.png"/>
           <p:cNvPicPr>
             <a:picLocks noChangeAspect="1"/>
           </p:cNvPicPr>
@@ -3362,8 +3362,8 @@
         </p:blipFill>
         <p:spPr>
           <a:xfrm>
-            <a:off x="6096000" y="2571750"/>
-            <a:ext cx="1285875" cy="1028700"/>
+            <a:off x="6650181" y="2571750"/>
+            <a:ext cx="1285875" cy="1122998"/>
           </a:xfrm>
           <a:prstGeom prst="rect">
             <a:avLst/>
@@ -3372,7 +3372,7 @@
       </p:pic>
       <p:pic>
         <p:nvPicPr>
-          <p:cNvPr id="14" name="Picture 13" descr="thumb_f5aacb47-e677-11eb-b71c-60f262b60b65.png"/>
+          <p:cNvPr id="14" name="Picture 13" descr="thumb_b83737d1-e678-11eb-b2de-60f262b60b65.png"/>
           <p:cNvPicPr>
             <a:picLocks noChangeAspect="1"/>
           </p:cNvPicPr>
@@ -3386,8 +3386,8 @@
         </p:blipFill>
         <p:spPr>
           <a:xfrm>
-            <a:off x="6858000" y="2571750"/>
-            <a:ext cx="1285875" cy="1028700"/>
+            <a:off x="7481454" y="2571750"/>
+            <a:ext cx="1285875" cy="1285875"/>
           </a:xfrm>
           <a:prstGeom prst="rect">
             <a:avLst/>
@@ -3396,7 +3396,7 @@
       </p:pic>
       <p:pic>
         <p:nvPicPr>
-          <p:cNvPr id="15" name="Picture 14" descr="thumb_f5b24557-e677-11eb-a15c-60f262b60b65.png"/>
+          <p:cNvPr id="15" name="Picture 14" descr="thumb_b83cb602-e678-11eb-897e-60f262b60b65.png"/>
           <p:cNvPicPr>
             <a:picLocks noChangeAspect="1"/>
           </p:cNvPicPr>
@@ -3410,32 +3410,8 @@
         </p:blipFill>
         <p:spPr>
           <a:xfrm>
-            <a:off x="7620000" y="2571750"/>
-            <a:ext cx="1285875" cy="1028700"/>
-          </a:xfrm>
-          <a:prstGeom prst="rect">
-            <a:avLst/>
-          </a:prstGeom>
-        </p:spPr>
-      </p:pic>
-      <p:pic>
-        <p:nvPicPr>
-          <p:cNvPr id="16" name="Picture 15" descr="thumb_f5b811bf-e677-11eb-93f9-60f262b60b65.png"/>
-          <p:cNvPicPr>
-            <a:picLocks noChangeAspect="1"/>
-          </p:cNvPicPr>
-          <p:nvPr/>
-        </p:nvPicPr>
-        <p:blipFill>
-          <a:blip r:embed="rId14"/>
-          <a:stretch>
-            <a:fillRect/>
-          </a:stretch>
-        </p:blipFill>
-        <p:spPr>
-          <a:xfrm>
-            <a:off x="8382000" y="2571750"/>
-            <a:ext cx="1285875" cy="1028700"/>
+            <a:off x="8312727" y="2571750"/>
+            <a:ext cx="1285875" cy="1285875"/>
           </a:xfrm>
           <a:prstGeom prst="rect">
             <a:avLst/>
